--- a/Documents/Iteration 2/EDUkid-Iteration2.pptx
+++ b/Documents/Iteration 2/EDUkid-Iteration2.pptx
@@ -120,7 +120,7 @@
   </p:defaultTextStyle>
   <p:extLst>
     <p:ext uri="{EFAFB233-063F-42B5-8137-9DF3F51BA10A}">
-      <p15:sldGuideLst xmlns="" xmlns:p15="http://schemas.microsoft.com/office/powerpoint/2012/main">
+      <p15:sldGuideLst xmlns:p15="http://schemas.microsoft.com/office/powerpoint/2012/main" xmlns="">
         <p15:guide id="1" orient="horz" pos="2160">
           <p15:clr>
             <a:srgbClr val="A4A3A4"/>
@@ -6880,11 +6880,7 @@
           <a:p>
             <a:r>
               <a:rPr lang="en-US" dirty="0" smtClean="0"/>
-              <a:t>Account Creation </a:t>
-            </a:r>
-            <a:r>
-              <a:rPr lang="en-US" dirty="0" smtClean="0"/>
-              <a:t>View</a:t>
+              <a:t>Account Creation View</a:t>
             </a:r>
             <a:endParaRPr lang="en-US" dirty="0"/>
           </a:p>
@@ -7494,11 +7490,7 @@
           <a:p>
             <a:r>
               <a:rPr lang="en-US" dirty="0" smtClean="0"/>
-              <a:t>Incorporate </a:t>
-            </a:r>
-            <a:r>
-              <a:rPr lang="en-US" dirty="0" smtClean="0"/>
-              <a:t>other categories in Learn Mode</a:t>
+              <a:t>Incorporate other categories in Learn Mode</a:t>
             </a:r>
           </a:p>
           <a:p>
@@ -7514,20 +7506,11 @@
               <a:rPr lang="en-US" dirty="0" smtClean="0"/>
               <a:t>Custom category</a:t>
             </a:r>
-            <a:endParaRPr lang="en-US" dirty="0" smtClean="0"/>
           </a:p>
           <a:p>
             <a:r>
               <a:rPr lang="en-US" dirty="0" smtClean="0"/>
-              <a:t>Game </a:t>
-            </a:r>
-            <a:r>
-              <a:rPr lang="en-US" dirty="0" smtClean="0"/>
-              <a:t>mode to test the child’s </a:t>
-            </a:r>
-            <a:r>
-              <a:rPr lang="en-US" dirty="0" smtClean="0"/>
-              <a:t>success</a:t>
+              <a:t>Game mode to test the child’s success</a:t>
             </a:r>
             <a:endParaRPr lang="en-US" dirty="0"/>
           </a:p>
@@ -7548,7 +7531,6 @@
               <a:rPr lang="en-US" dirty="0" smtClean="0"/>
               <a:t>attention</a:t>
             </a:r>
-            <a:endParaRPr lang="en-US" dirty="0" smtClean="0"/>
           </a:p>
           <a:p>
             <a:r>
@@ -7855,23 +7837,14 @@
           <a:p>
             <a:r>
               <a:rPr lang="en-US" dirty="0" smtClean="0"/>
-              <a:t>Current </a:t>
-            </a:r>
+              <a:t>Current Software Architecture</a:t>
+            </a:r>
+          </a:p>
+          <a:p>
             <a:r>
               <a:rPr lang="en-US" dirty="0" smtClean="0"/>
-              <a:t>Software Architecture</a:t>
-            </a:r>
-          </a:p>
-          <a:p>
-            <a:r>
-              <a:rPr lang="en-US" dirty="0" smtClean="0"/>
-              <a:t>Software </a:t>
-            </a:r>
-            <a:r>
-              <a:rPr lang="en-US" dirty="0" smtClean="0"/>
-              <a:t>Design</a:t>
-            </a:r>
-            <a:endParaRPr lang="en-US" dirty="0" smtClean="0"/>
+              <a:t>Software Design</a:t>
+            </a:r>
           </a:p>
           <a:p>
             <a:r>
@@ -7884,14 +7857,6 @@
               <a:rPr lang="en-US" dirty="0" smtClean="0"/>
               <a:t>Requirement Analysis</a:t>
             </a:r>
-            <a:endParaRPr lang="en-US" dirty="0" smtClean="0"/>
-          </a:p>
-          <a:p>
-            <a:r>
-              <a:rPr lang="en-US" dirty="0" smtClean="0"/>
-              <a:t>Screen Shots</a:t>
-            </a:r>
-            <a:endParaRPr lang="en-US" dirty="0" smtClean="0"/>
           </a:p>
           <a:p>
             <a:r>
@@ -7904,6 +7869,17 @@
               <a:rPr lang="en-US" dirty="0" smtClean="0"/>
               <a:t>Current Features</a:t>
             </a:r>
+          </a:p>
+          <a:p>
+            <a:r>
+              <a:rPr lang="en-US" dirty="0"/>
+              <a:t>Screen </a:t>
+            </a:r>
+            <a:r>
+              <a:rPr lang="en-US" dirty="0" smtClean="0"/>
+              <a:t>Shots</a:t>
+            </a:r>
+            <a:endParaRPr lang="en-US" dirty="0" smtClean="0"/>
           </a:p>
           <a:p>
             <a:r>
@@ -8809,7 +8785,6 @@
               <a:rPr lang="en-US" dirty="0"/>
               <a:t>Methodology</a:t>
             </a:r>
-            <a:endParaRPr lang="en-US" dirty="0"/>
           </a:p>
         </p:txBody>
       </p:sp>
@@ -9080,7 +9055,6 @@
               <a:rPr lang="en-US" dirty="0"/>
               <a:t>Future Testing Methodology</a:t>
             </a:r>
-            <a:endParaRPr lang="en-US" dirty="0"/>
           </a:p>
         </p:txBody>
       </p:sp>
@@ -10064,7 +10038,7 @@
   <a:extraClrSchemeLst/>
   <a:extLst>
     <a:ext uri="{05A4C25C-085E-4340-85A3-A5531E510DB2}">
-      <thm15:themeFamily xmlns="" xmlns:thm15="http://schemas.microsoft.com/office/thememl/2012/main" name="Facet" id="{C0C680CD-088A-49FC-A102-D699147F32B2}" vid="{CFBC31BA-B70F-4F30-BCAA-4F3011E16C4D}"/>
+      <thm15:themeFamily xmlns:thm15="http://schemas.microsoft.com/office/thememl/2012/main" xmlns="" name="Facet" id="{C0C680CD-088A-49FC-A102-D699147F32B2}" vid="{CFBC31BA-B70F-4F30-BCAA-4F3011E16C4D}"/>
     </a:ext>
   </a:extLst>
 </a:theme>

--- a/Documents/Iteration 2/EDUkid-Iteration2.pptx
+++ b/Documents/Iteration 2/EDUkid-Iteration2.pptx
@@ -6551,7 +6551,7 @@
       </p:pic>
       <p:pic>
         <p:nvPicPr>
-          <p:cNvPr id="3" name="Picture 2"/>
+          <p:cNvPr id="4" name="Picture 3"/>
           <p:cNvPicPr>
             <a:picLocks noChangeAspect="1"/>
           </p:cNvPicPr>
@@ -6565,8 +6565,8 @@
         </p:blipFill>
         <p:spPr>
           <a:xfrm>
-            <a:off x="525101" y="1543890"/>
-            <a:ext cx="7084333" cy="4439791"/>
+            <a:off x="609599" y="1566828"/>
+            <a:ext cx="7629180" cy="4572000"/>
           </a:xfrm>
           <a:prstGeom prst="rect">
             <a:avLst/>
@@ -6732,30 +6732,6 @@
           <a:solidFill>
             <a:schemeClr val="bg1"/>
           </a:solidFill>
-        </p:spPr>
-      </p:pic>
-      <p:pic>
-        <p:nvPicPr>
-          <p:cNvPr id="4" name="Picture 3"/>
-          <p:cNvPicPr>
-            <a:picLocks noChangeAspect="1"/>
-          </p:cNvPicPr>
-          <p:nvPr/>
-        </p:nvPicPr>
-        <p:blipFill>
-          <a:blip r:embed="rId3"/>
-          <a:stretch>
-            <a:fillRect/>
-          </a:stretch>
-        </p:blipFill>
-        <p:spPr>
-          <a:xfrm>
-            <a:off x="609599" y="1561661"/>
-            <a:ext cx="7086195" cy="4421952"/>
-          </a:xfrm>
-          <a:prstGeom prst="rect">
-            <a:avLst/>
-          </a:prstGeom>
         </p:spPr>
       </p:pic>
     </p:spTree>

--- a/Documents/Iteration 2/EDUkid-Iteration2.pptx
+++ b/Documents/Iteration 2/EDUkid-Iteration2.pptx
@@ -5,7 +5,7 @@
     <p:sldMasterId id="2147483660" r:id="rId1"/>
   </p:sldMasterIdLst>
   <p:sldIdLst>
-    <p:sldId id="256" r:id="rId2"/>
+    <p:sldId id="279" r:id="rId2"/>
     <p:sldId id="272" r:id="rId3"/>
     <p:sldId id="257" r:id="rId4"/>
     <p:sldId id="258" r:id="rId5"/>
@@ -6053,31 +6053,9 @@
           <a:chExt cx="0" cy="0"/>
         </a:xfrm>
       </p:grpSpPr>
-      <p:sp>
-        <p:nvSpPr>
-          <p:cNvPr id="3" name="Subtitle 2"/>
-          <p:cNvSpPr>
-            <a:spLocks noGrp="1"/>
-          </p:cNvSpPr>
-          <p:nvPr>
-            <p:ph type="subTitle" idx="1"/>
-          </p:nvPr>
-        </p:nvSpPr>
-        <p:spPr/>
-        <p:txBody>
-          <a:bodyPr/>
-          <a:lstStyle/>
-          <a:p>
-            <a:r>
-              <a:rPr lang="en-US" dirty="0" smtClean="0"/>
-              <a:t>Iteration 2</a:t>
-            </a:r>
-          </a:p>
-        </p:txBody>
-      </p:sp>
       <p:pic>
         <p:nvPicPr>
-          <p:cNvPr id="4" name="Picture 3"/>
+          <p:cNvPr id="5" name="Picture 4" descr="Screen Shot 2013-10-17 at 7.18.58 PM.png"/>
           <p:cNvPicPr>
             <a:picLocks noChangeAspect="1"/>
           </p:cNvPicPr>
@@ -6097,18 +6075,278 @@
         </p:blipFill>
         <p:spPr>
           <a:xfrm>
-            <a:off x="1492677" y="1516725"/>
-            <a:ext cx="5378158" cy="1711845"/>
+            <a:off x="1292761" y="1569947"/>
+            <a:ext cx="5664553" cy="1899840"/>
           </a:xfrm>
           <a:prstGeom prst="rect">
             <a:avLst/>
           </a:prstGeom>
         </p:spPr>
       </p:pic>
+      <p:sp>
+        <p:nvSpPr>
+          <p:cNvPr id="6" name="Subtitle 2"/>
+          <p:cNvSpPr txBox="1">
+            <a:spLocks/>
+          </p:cNvSpPr>
+          <p:nvPr/>
+        </p:nvSpPr>
+        <p:spPr>
+          <a:xfrm>
+            <a:off x="1130595" y="3502384"/>
+            <a:ext cx="5826719" cy="1096899"/>
+          </a:xfrm>
+          <a:prstGeom prst="rect">
+            <a:avLst/>
+          </a:prstGeom>
+        </p:spPr>
+        <p:txBody>
+          <a:bodyPr vert="horz" lIns="91440" tIns="45720" rIns="91440" bIns="45720" rtlCol="0">
+            <a:normAutofit/>
+          </a:bodyPr>
+          <a:lstStyle>
+            <a:lvl1pPr marL="342900" indent="-342900" algn="l" defTabSz="457200" rtl="0" eaLnBrk="1" latinLnBrk="0" hangingPunct="1">
+              <a:spcBef>
+                <a:spcPts val="1000"/>
+              </a:spcBef>
+              <a:spcAft>
+                <a:spcPts val="0"/>
+              </a:spcAft>
+              <a:buClr>
+                <a:schemeClr val="accent1"/>
+              </a:buClr>
+              <a:buSzPct val="80000"/>
+              <a:buFont typeface="Wingdings 3" charset="2"/>
+              <a:buChar char=""/>
+              <a:defRPr sz="1800" kern="1200">
+                <a:solidFill>
+                  <a:schemeClr val="tx1">
+                    <a:lumMod val="75000"/>
+                    <a:lumOff val="25000"/>
+                  </a:schemeClr>
+                </a:solidFill>
+                <a:latin typeface="+mn-lt"/>
+                <a:ea typeface="+mn-ea"/>
+                <a:cs typeface="+mn-cs"/>
+              </a:defRPr>
+            </a:lvl1pPr>
+            <a:lvl2pPr marL="742950" indent="-285750" algn="l" defTabSz="457200" rtl="0" eaLnBrk="1" latinLnBrk="0" hangingPunct="1">
+              <a:spcBef>
+                <a:spcPts val="1000"/>
+              </a:spcBef>
+              <a:spcAft>
+                <a:spcPts val="0"/>
+              </a:spcAft>
+              <a:buClr>
+                <a:schemeClr val="accent1"/>
+              </a:buClr>
+              <a:buSzPct val="80000"/>
+              <a:buFont typeface="Wingdings 3" charset="2"/>
+              <a:buChar char=""/>
+              <a:defRPr sz="1600" kern="1200">
+                <a:solidFill>
+                  <a:schemeClr val="tx1">
+                    <a:lumMod val="75000"/>
+                    <a:lumOff val="25000"/>
+                  </a:schemeClr>
+                </a:solidFill>
+                <a:latin typeface="+mn-lt"/>
+                <a:ea typeface="+mn-ea"/>
+                <a:cs typeface="+mn-cs"/>
+              </a:defRPr>
+            </a:lvl2pPr>
+            <a:lvl3pPr marL="1143000" indent="-228600" algn="l" defTabSz="457200" rtl="0" eaLnBrk="1" latinLnBrk="0" hangingPunct="1">
+              <a:spcBef>
+                <a:spcPts val="1000"/>
+              </a:spcBef>
+              <a:spcAft>
+                <a:spcPts val="0"/>
+              </a:spcAft>
+              <a:buClr>
+                <a:schemeClr val="accent1"/>
+              </a:buClr>
+              <a:buSzPct val="80000"/>
+              <a:buFont typeface="Wingdings 3" charset="2"/>
+              <a:buChar char=""/>
+              <a:defRPr sz="1400" kern="1200">
+                <a:solidFill>
+                  <a:schemeClr val="tx1">
+                    <a:lumMod val="75000"/>
+                    <a:lumOff val="25000"/>
+                  </a:schemeClr>
+                </a:solidFill>
+                <a:latin typeface="+mn-lt"/>
+                <a:ea typeface="+mn-ea"/>
+                <a:cs typeface="+mn-cs"/>
+              </a:defRPr>
+            </a:lvl3pPr>
+            <a:lvl4pPr marL="1600200" indent="-228600" algn="l" defTabSz="457200" rtl="0" eaLnBrk="1" latinLnBrk="0" hangingPunct="1">
+              <a:spcBef>
+                <a:spcPts val="1000"/>
+              </a:spcBef>
+              <a:spcAft>
+                <a:spcPts val="0"/>
+              </a:spcAft>
+              <a:buClr>
+                <a:schemeClr val="accent1"/>
+              </a:buClr>
+              <a:buSzPct val="80000"/>
+              <a:buFont typeface="Wingdings 3" charset="2"/>
+              <a:buChar char=""/>
+              <a:defRPr sz="1200" kern="1200">
+                <a:solidFill>
+                  <a:schemeClr val="tx1">
+                    <a:lumMod val="75000"/>
+                    <a:lumOff val="25000"/>
+                  </a:schemeClr>
+                </a:solidFill>
+                <a:latin typeface="+mn-lt"/>
+                <a:ea typeface="+mn-ea"/>
+                <a:cs typeface="+mn-cs"/>
+              </a:defRPr>
+            </a:lvl4pPr>
+            <a:lvl5pPr marL="2057400" indent="-228600" algn="l" defTabSz="457200" rtl="0" eaLnBrk="1" latinLnBrk="0" hangingPunct="1">
+              <a:spcBef>
+                <a:spcPts val="1000"/>
+              </a:spcBef>
+              <a:spcAft>
+                <a:spcPts val="0"/>
+              </a:spcAft>
+              <a:buClr>
+                <a:schemeClr val="accent1"/>
+              </a:buClr>
+              <a:buSzPct val="80000"/>
+              <a:buFont typeface="Wingdings 3" charset="2"/>
+              <a:buChar char=""/>
+              <a:defRPr sz="1200" kern="1200">
+                <a:solidFill>
+                  <a:schemeClr val="tx1">
+                    <a:lumMod val="75000"/>
+                    <a:lumOff val="25000"/>
+                  </a:schemeClr>
+                </a:solidFill>
+                <a:latin typeface="+mn-lt"/>
+                <a:ea typeface="+mn-ea"/>
+                <a:cs typeface="+mn-cs"/>
+              </a:defRPr>
+            </a:lvl5pPr>
+            <a:lvl6pPr marL="2514600" indent="-228600" algn="l" defTabSz="457200" rtl="0" eaLnBrk="1" latinLnBrk="0" hangingPunct="1">
+              <a:spcBef>
+                <a:spcPts val="1000"/>
+              </a:spcBef>
+              <a:spcAft>
+                <a:spcPts val="0"/>
+              </a:spcAft>
+              <a:buClr>
+                <a:schemeClr val="accent1"/>
+              </a:buClr>
+              <a:buSzPct val="80000"/>
+              <a:buFont typeface="Wingdings 3" charset="2"/>
+              <a:buChar char=""/>
+              <a:defRPr sz="1200" kern="1200">
+                <a:solidFill>
+                  <a:schemeClr val="tx1">
+                    <a:lumMod val="75000"/>
+                    <a:lumOff val="25000"/>
+                  </a:schemeClr>
+                </a:solidFill>
+                <a:latin typeface="+mn-lt"/>
+                <a:ea typeface="+mn-ea"/>
+                <a:cs typeface="+mn-cs"/>
+              </a:defRPr>
+            </a:lvl6pPr>
+            <a:lvl7pPr marL="2971800" indent="-228600" algn="l" defTabSz="457200" rtl="0" eaLnBrk="1" latinLnBrk="0" hangingPunct="1">
+              <a:spcBef>
+                <a:spcPts val="1000"/>
+              </a:spcBef>
+              <a:spcAft>
+                <a:spcPts val="0"/>
+              </a:spcAft>
+              <a:buClr>
+                <a:schemeClr val="accent1"/>
+              </a:buClr>
+              <a:buSzPct val="80000"/>
+              <a:buFont typeface="Wingdings 3" charset="2"/>
+              <a:buChar char=""/>
+              <a:defRPr sz="1200" kern="1200">
+                <a:solidFill>
+                  <a:schemeClr val="tx1">
+                    <a:lumMod val="75000"/>
+                    <a:lumOff val="25000"/>
+                  </a:schemeClr>
+                </a:solidFill>
+                <a:latin typeface="+mn-lt"/>
+                <a:ea typeface="+mn-ea"/>
+                <a:cs typeface="+mn-cs"/>
+              </a:defRPr>
+            </a:lvl7pPr>
+            <a:lvl8pPr marL="3429000" indent="-228600" algn="l" defTabSz="457200" rtl="0" eaLnBrk="1" latinLnBrk="0" hangingPunct="1">
+              <a:spcBef>
+                <a:spcPts val="1000"/>
+              </a:spcBef>
+              <a:spcAft>
+                <a:spcPts val="0"/>
+              </a:spcAft>
+              <a:buClr>
+                <a:schemeClr val="accent1"/>
+              </a:buClr>
+              <a:buSzPct val="80000"/>
+              <a:buFont typeface="Wingdings 3" charset="2"/>
+              <a:buChar char=""/>
+              <a:defRPr sz="1200" kern="1200">
+                <a:solidFill>
+                  <a:schemeClr val="tx1">
+                    <a:lumMod val="75000"/>
+                    <a:lumOff val="25000"/>
+                  </a:schemeClr>
+                </a:solidFill>
+                <a:latin typeface="+mn-lt"/>
+                <a:ea typeface="+mn-ea"/>
+                <a:cs typeface="+mn-cs"/>
+              </a:defRPr>
+            </a:lvl8pPr>
+            <a:lvl9pPr marL="3886200" indent="-228600" algn="l" defTabSz="457200" rtl="0" eaLnBrk="1" latinLnBrk="0" hangingPunct="1">
+              <a:spcBef>
+                <a:spcPts val="1000"/>
+              </a:spcBef>
+              <a:spcAft>
+                <a:spcPts val="0"/>
+              </a:spcAft>
+              <a:buClr>
+                <a:schemeClr val="accent1"/>
+              </a:buClr>
+              <a:buSzPct val="80000"/>
+              <a:buFont typeface="Wingdings 3" charset="2"/>
+              <a:buChar char=""/>
+              <a:defRPr sz="1200" kern="1200">
+                <a:solidFill>
+                  <a:schemeClr val="tx1">
+                    <a:lumMod val="75000"/>
+                    <a:lumOff val="25000"/>
+                  </a:schemeClr>
+                </a:solidFill>
+                <a:latin typeface="+mn-lt"/>
+                <a:ea typeface="+mn-ea"/>
+                <a:cs typeface="+mn-cs"/>
+              </a:defRPr>
+            </a:lvl9pPr>
+          </a:lstStyle>
+          <a:p>
+            <a:pPr marL="0" indent="0" algn="r">
+              <a:buNone/>
+            </a:pPr>
+            <a:r>
+              <a:rPr lang="en-US" dirty="0" smtClean="0"/>
+              <a:t>Iteration 2</a:t>
+            </a:r>
+            <a:endParaRPr lang="en-US" dirty="0" smtClean="0"/>
+          </a:p>
+        </p:txBody>
+      </p:sp>
     </p:spTree>
     <p:extLst>
       <p:ext uri="{BB962C8B-B14F-4D97-AF65-F5344CB8AC3E}">
-        <p14:creationId xmlns:p14="http://schemas.microsoft.com/office/powerpoint/2010/main" val="1670050195"/>
+        <p14:creationId xmlns:p14="http://schemas.microsoft.com/office/powerpoint/2010/main" val="3266000115"/>
       </p:ext>
     </p:extLst>
   </p:cSld>
@@ -6118,75 +6356,7 @@
   <p:timing>
     <p:tnLst>
       <p:par>
-        <p:cTn xmlns:p14="http://schemas.microsoft.com/office/powerpoint/2010/main" id="1" dur="indefinite" restart="never" nodeType="tmRoot">
-          <p:childTnLst>
-            <p:seq concurrent="1" nextAc="seek">
-              <p:cTn id="2" dur="indefinite" nodeType="mainSeq">
-                <p:childTnLst>
-                  <p:par>
-                    <p:cTn id="3" fill="hold">
-                      <p:stCondLst>
-                        <p:cond delay="indefinite"/>
-                      </p:stCondLst>
-                      <p:childTnLst>
-                        <p:par>
-                          <p:cTn id="4" fill="hold">
-                            <p:stCondLst>
-                              <p:cond delay="0"/>
-                            </p:stCondLst>
-                            <p:childTnLst>
-                              <p:par>
-                                <p:cTn id="5" presetID="1" presetClass="entr" presetSubtype="0" fill="hold" nodeType="clickEffect">
-                                  <p:stCondLst>
-                                    <p:cond delay="0"/>
-                                  </p:stCondLst>
-                                  <p:childTnLst>
-                                    <p:set>
-                                      <p:cBhvr>
-                                        <p:cTn id="6" dur="1" fill="hold">
-                                          <p:stCondLst>
-                                            <p:cond delay="0"/>
-                                          </p:stCondLst>
-                                        </p:cTn>
-                                        <p:tgtEl>
-                                          <p:spTgt spid="4"/>
-                                        </p:tgtEl>
-                                        <p:attrNameLst>
-                                          <p:attrName>style.visibility</p:attrName>
-                                        </p:attrNameLst>
-                                      </p:cBhvr>
-                                      <p:to>
-                                        <p:strVal val="visible"/>
-                                      </p:to>
-                                    </p:set>
-                                  </p:childTnLst>
-                                </p:cTn>
-                              </p:par>
-                            </p:childTnLst>
-                          </p:cTn>
-                        </p:par>
-                      </p:childTnLst>
-                    </p:cTn>
-                  </p:par>
-                </p:childTnLst>
-              </p:cTn>
-              <p:prevCondLst>
-                <p:cond evt="onPrev" delay="0">
-                  <p:tgtEl>
-                    <p:sldTgt/>
-                  </p:tgtEl>
-                </p:cond>
-              </p:prevCondLst>
-              <p:nextCondLst>
-                <p:cond evt="onNext" delay="0">
-                  <p:tgtEl>
-                    <p:sldTgt/>
-                  </p:tgtEl>
-                </p:cond>
-              </p:nextCondLst>
-            </p:seq>
-          </p:childTnLst>
-        </p:cTn>
+        <p:cTn xmlns:p14="http://schemas.microsoft.com/office/powerpoint/2010/main" id="1" dur="indefinite" restart="never" nodeType="tmRoot"/>
       </p:par>
     </p:tnLst>
   </p:timing>

--- a/Documents/Iteration 2/EDUkid-Iteration2.pptx
+++ b/Documents/Iteration 2/EDUkid-Iteration2.pptx
@@ -6571,75 +6571,7 @@
   <p:timing>
     <p:tnLst>
       <p:par>
-        <p:cTn xmlns:p14="http://schemas.microsoft.com/office/powerpoint/2010/main" id="1" dur="indefinite" restart="never" nodeType="tmRoot">
-          <p:childTnLst>
-            <p:seq concurrent="1" nextAc="seek">
-              <p:cTn id="2" dur="indefinite" nodeType="mainSeq">
-                <p:childTnLst>
-                  <p:par>
-                    <p:cTn id="3" fill="hold">
-                      <p:stCondLst>
-                        <p:cond delay="indefinite"/>
-                      </p:stCondLst>
-                      <p:childTnLst>
-                        <p:par>
-                          <p:cTn id="4" fill="hold">
-                            <p:stCondLst>
-                              <p:cond delay="0"/>
-                            </p:stCondLst>
-                            <p:childTnLst>
-                              <p:par>
-                                <p:cTn id="5" presetID="1" presetClass="entr" presetSubtype="0" fill="hold" nodeType="clickEffect">
-                                  <p:stCondLst>
-                                    <p:cond delay="0"/>
-                                  </p:stCondLst>
-                                  <p:childTnLst>
-                                    <p:set>
-                                      <p:cBhvr>
-                                        <p:cTn id="6" dur="1" fill="hold">
-                                          <p:stCondLst>
-                                            <p:cond delay="0"/>
-                                          </p:stCondLst>
-                                        </p:cTn>
-                                        <p:tgtEl>
-                                          <p:spTgt spid="5"/>
-                                        </p:tgtEl>
-                                        <p:attrNameLst>
-                                          <p:attrName>style.visibility</p:attrName>
-                                        </p:attrNameLst>
-                                      </p:cBhvr>
-                                      <p:to>
-                                        <p:strVal val="visible"/>
-                                      </p:to>
-                                    </p:set>
-                                  </p:childTnLst>
-                                </p:cTn>
-                              </p:par>
-                            </p:childTnLst>
-                          </p:cTn>
-                        </p:par>
-                      </p:childTnLst>
-                    </p:cTn>
-                  </p:par>
-                </p:childTnLst>
-              </p:cTn>
-              <p:prevCondLst>
-                <p:cond evt="onPrev" delay="0">
-                  <p:tgtEl>
-                    <p:sldTgt/>
-                  </p:tgtEl>
-                </p:cond>
-              </p:prevCondLst>
-              <p:nextCondLst>
-                <p:cond evt="onNext" delay="0">
-                  <p:tgtEl>
-                    <p:sldTgt/>
-                  </p:tgtEl>
-                </p:cond>
-              </p:nextCondLst>
-            </p:seq>
-          </p:childTnLst>
-        </p:cTn>
+        <p:cTn xmlns:p14="http://schemas.microsoft.com/office/powerpoint/2010/main" id="1" dur="indefinite" restart="never" nodeType="tmRoot"/>
       </p:par>
     </p:tnLst>
   </p:timing>
@@ -6756,75 +6688,7 @@
   <p:timing>
     <p:tnLst>
       <p:par>
-        <p:cTn xmlns:p14="http://schemas.microsoft.com/office/powerpoint/2010/main" id="1" dur="indefinite" restart="never" nodeType="tmRoot">
-          <p:childTnLst>
-            <p:seq concurrent="1" nextAc="seek">
-              <p:cTn id="2" dur="indefinite" nodeType="mainSeq">
-                <p:childTnLst>
-                  <p:par>
-                    <p:cTn id="3" fill="hold">
-                      <p:stCondLst>
-                        <p:cond delay="indefinite"/>
-                      </p:stCondLst>
-                      <p:childTnLst>
-                        <p:par>
-                          <p:cTn id="4" fill="hold">
-                            <p:stCondLst>
-                              <p:cond delay="0"/>
-                            </p:stCondLst>
-                            <p:childTnLst>
-                              <p:par>
-                                <p:cTn id="5" presetID="1" presetClass="entr" presetSubtype="0" fill="hold" nodeType="clickEffect">
-                                  <p:stCondLst>
-                                    <p:cond delay="0"/>
-                                  </p:stCondLst>
-                                  <p:childTnLst>
-                                    <p:set>
-                                      <p:cBhvr>
-                                        <p:cTn id="6" dur="1" fill="hold">
-                                          <p:stCondLst>
-                                            <p:cond delay="0"/>
-                                          </p:stCondLst>
-                                        </p:cTn>
-                                        <p:tgtEl>
-                                          <p:spTgt spid="5"/>
-                                        </p:tgtEl>
-                                        <p:attrNameLst>
-                                          <p:attrName>style.visibility</p:attrName>
-                                        </p:attrNameLst>
-                                      </p:cBhvr>
-                                      <p:to>
-                                        <p:strVal val="visible"/>
-                                      </p:to>
-                                    </p:set>
-                                  </p:childTnLst>
-                                </p:cTn>
-                              </p:par>
-                            </p:childTnLst>
-                          </p:cTn>
-                        </p:par>
-                      </p:childTnLst>
-                    </p:cTn>
-                  </p:par>
-                </p:childTnLst>
-              </p:cTn>
-              <p:prevCondLst>
-                <p:cond evt="onPrev" delay="0">
-                  <p:tgtEl>
-                    <p:sldTgt/>
-                  </p:tgtEl>
-                </p:cond>
-              </p:prevCondLst>
-              <p:nextCondLst>
-                <p:cond evt="onNext" delay="0">
-                  <p:tgtEl>
-                    <p:sldTgt/>
-                  </p:tgtEl>
-                </p:cond>
-              </p:nextCondLst>
-            </p:seq>
-          </p:childTnLst>
-        </p:cTn>
+        <p:cTn xmlns:p14="http://schemas.microsoft.com/office/powerpoint/2010/main" id="1" dur="indefinite" restart="never" nodeType="tmRoot"/>
       </p:par>
     </p:tnLst>
   </p:timing>
@@ -6904,6 +6768,30 @@
           </a:solidFill>
         </p:spPr>
       </p:pic>
+      <p:pic>
+        <p:nvPicPr>
+          <p:cNvPr id="5" name="Picture 4"/>
+          <p:cNvPicPr>
+            <a:picLocks noChangeAspect="1"/>
+          </p:cNvPicPr>
+          <p:nvPr/>
+        </p:nvPicPr>
+        <p:blipFill>
+          <a:blip r:embed="rId3"/>
+          <a:stretch>
+            <a:fillRect/>
+          </a:stretch>
+        </p:blipFill>
+        <p:spPr>
+          <a:xfrm>
+            <a:off x="609599" y="1577011"/>
+            <a:ext cx="7613892" cy="4572000"/>
+          </a:xfrm>
+          <a:prstGeom prst="rect">
+            <a:avLst/>
+          </a:prstGeom>
+        </p:spPr>
+      </p:pic>
     </p:spTree>
     <p:extLst>
       <p:ext uri="{BB962C8B-B14F-4D97-AF65-F5344CB8AC3E}">
@@ -6917,75 +6805,7 @@
   <p:timing>
     <p:tnLst>
       <p:par>
-        <p:cTn xmlns:p14="http://schemas.microsoft.com/office/powerpoint/2010/main" id="1" dur="indefinite" restart="never" nodeType="tmRoot">
-          <p:childTnLst>
-            <p:seq concurrent="1" nextAc="seek">
-              <p:cTn id="2" dur="indefinite" nodeType="mainSeq">
-                <p:childTnLst>
-                  <p:par>
-                    <p:cTn id="3" fill="hold">
-                      <p:stCondLst>
-                        <p:cond delay="indefinite"/>
-                      </p:stCondLst>
-                      <p:childTnLst>
-                        <p:par>
-                          <p:cTn id="4" fill="hold">
-                            <p:stCondLst>
-                              <p:cond delay="0"/>
-                            </p:stCondLst>
-                            <p:childTnLst>
-                              <p:par>
-                                <p:cTn id="5" presetID="1" presetClass="entr" presetSubtype="0" fill="hold" nodeType="clickEffect">
-                                  <p:stCondLst>
-                                    <p:cond delay="0"/>
-                                  </p:stCondLst>
-                                  <p:childTnLst>
-                                    <p:set>
-                                      <p:cBhvr>
-                                        <p:cTn id="6" dur="1" fill="hold">
-                                          <p:stCondLst>
-                                            <p:cond delay="0"/>
-                                          </p:stCondLst>
-                                        </p:cTn>
-                                        <p:tgtEl>
-                                          <p:spTgt spid="3"/>
-                                        </p:tgtEl>
-                                        <p:attrNameLst>
-                                          <p:attrName>style.visibility</p:attrName>
-                                        </p:attrNameLst>
-                                      </p:cBhvr>
-                                      <p:to>
-                                        <p:strVal val="visible"/>
-                                      </p:to>
-                                    </p:set>
-                                  </p:childTnLst>
-                                </p:cTn>
-                              </p:par>
-                            </p:childTnLst>
-                          </p:cTn>
-                        </p:par>
-                      </p:childTnLst>
-                    </p:cTn>
-                  </p:par>
-                </p:childTnLst>
-              </p:cTn>
-              <p:prevCondLst>
-                <p:cond evt="onPrev" delay="0">
-                  <p:tgtEl>
-                    <p:sldTgt/>
-                  </p:tgtEl>
-                </p:cond>
-              </p:prevCondLst>
-              <p:nextCondLst>
-                <p:cond evt="onNext" delay="0">
-                  <p:tgtEl>
-                    <p:sldTgt/>
-                  </p:tgtEl>
-                </p:cond>
-              </p:nextCondLst>
-            </p:seq>
-          </p:childTnLst>
-        </p:cTn>
+        <p:cTn xmlns:p14="http://schemas.microsoft.com/office/powerpoint/2010/main" id="1" dur="indefinite" restart="never" nodeType="tmRoot"/>
       </p:par>
     </p:tnLst>
   </p:timing>
@@ -7048,8 +6868,8 @@
         </p:blipFill>
         <p:spPr>
           <a:xfrm>
-            <a:off x="609599" y="1810771"/>
-            <a:ext cx="6849524" cy="4105912"/>
+            <a:off x="609599" y="1593374"/>
+            <a:ext cx="7627057" cy="4572000"/>
           </a:xfrm>
           <a:prstGeom prst="rect">
             <a:avLst/>
@@ -7102,75 +6922,7 @@
   <p:timing>
     <p:tnLst>
       <p:par>
-        <p:cTn xmlns:p14="http://schemas.microsoft.com/office/powerpoint/2010/main" id="1" dur="indefinite" restart="never" nodeType="tmRoot">
-          <p:childTnLst>
-            <p:seq concurrent="1" nextAc="seek">
-              <p:cTn id="2" dur="indefinite" nodeType="mainSeq">
-                <p:childTnLst>
-                  <p:par>
-                    <p:cTn id="3" fill="hold">
-                      <p:stCondLst>
-                        <p:cond delay="indefinite"/>
-                      </p:stCondLst>
-                      <p:childTnLst>
-                        <p:par>
-                          <p:cTn id="4" fill="hold">
-                            <p:stCondLst>
-                              <p:cond delay="0"/>
-                            </p:stCondLst>
-                            <p:childTnLst>
-                              <p:par>
-                                <p:cTn id="5" presetID="1" presetClass="entr" presetSubtype="0" fill="hold" nodeType="clickEffect">
-                                  <p:stCondLst>
-                                    <p:cond delay="0"/>
-                                  </p:stCondLst>
-                                  <p:childTnLst>
-                                    <p:set>
-                                      <p:cBhvr>
-                                        <p:cTn id="6" dur="1" fill="hold">
-                                          <p:stCondLst>
-                                            <p:cond delay="0"/>
-                                          </p:stCondLst>
-                                        </p:cTn>
-                                        <p:tgtEl>
-                                          <p:spTgt spid="5"/>
-                                        </p:tgtEl>
-                                        <p:attrNameLst>
-                                          <p:attrName>style.visibility</p:attrName>
-                                        </p:attrNameLst>
-                                      </p:cBhvr>
-                                      <p:to>
-                                        <p:strVal val="visible"/>
-                                      </p:to>
-                                    </p:set>
-                                  </p:childTnLst>
-                                </p:cTn>
-                              </p:par>
-                            </p:childTnLst>
-                          </p:cTn>
-                        </p:par>
-                      </p:childTnLst>
-                    </p:cTn>
-                  </p:par>
-                </p:childTnLst>
-              </p:cTn>
-              <p:prevCondLst>
-                <p:cond evt="onPrev" delay="0">
-                  <p:tgtEl>
-                    <p:sldTgt/>
-                  </p:tgtEl>
-                </p:cond>
-              </p:prevCondLst>
-              <p:nextCondLst>
-                <p:cond evt="onNext" delay="0">
-                  <p:tgtEl>
-                    <p:sldTgt/>
-                  </p:tgtEl>
-                </p:cond>
-              </p:nextCondLst>
-            </p:seq>
-          </p:childTnLst>
-        </p:cTn>
+        <p:cTn xmlns:p14="http://schemas.microsoft.com/office/powerpoint/2010/main" id="1" dur="indefinite" restart="never" nodeType="tmRoot"/>
       </p:par>
     </p:tnLst>
   </p:timing>
@@ -7391,179 +7143,9 @@
   <p:timing>
     <p:tnLst>
       <p:par>
-        <p:cTn xmlns:p14="http://schemas.microsoft.com/office/powerpoint/2010/main" id="1" dur="indefinite" restart="never" nodeType="tmRoot">
-          <p:childTnLst>
-            <p:seq concurrent="1" nextAc="seek">
-              <p:cTn id="2" dur="indefinite" nodeType="mainSeq">
-                <p:childTnLst>
-                  <p:par>
-                    <p:cTn id="3" fill="hold">
-                      <p:stCondLst>
-                        <p:cond delay="indefinite"/>
-                      </p:stCondLst>
-                      <p:childTnLst>
-                        <p:par>
-                          <p:cTn id="4" fill="hold">
-                            <p:stCondLst>
-                              <p:cond delay="0"/>
-                            </p:stCondLst>
-                            <p:childTnLst>
-                              <p:par>
-                                <p:cTn id="5" presetID="42" presetClass="entr" presetSubtype="0" fill="hold" grpId="0" nodeType="clickEffect">
-                                  <p:stCondLst>
-                                    <p:cond delay="0"/>
-                                  </p:stCondLst>
-                                  <p:childTnLst>
-                                    <p:set>
-                                      <p:cBhvr>
-                                        <p:cTn id="6" dur="1" fill="hold">
-                                          <p:stCondLst>
-                                            <p:cond delay="0"/>
-                                          </p:stCondLst>
-                                        </p:cTn>
-                                        <p:tgtEl>
-                                          <p:spTgt spid="2"/>
-                                        </p:tgtEl>
-                                        <p:attrNameLst>
-                                          <p:attrName>style.visibility</p:attrName>
-                                        </p:attrNameLst>
-                                      </p:cBhvr>
-                                      <p:to>
-                                        <p:strVal val="visible"/>
-                                      </p:to>
-                                    </p:set>
-                                    <p:animEffect transition="in" filter="fade">
-                                      <p:cBhvr>
-                                        <p:cTn id="7" dur="1000"/>
-                                        <p:tgtEl>
-                                          <p:spTgt spid="2"/>
-                                        </p:tgtEl>
-                                      </p:cBhvr>
-                                    </p:animEffect>
-                                    <p:anim calcmode="lin" valueType="num">
-                                      <p:cBhvr>
-                                        <p:cTn id="8" dur="1000" fill="hold"/>
-                                        <p:tgtEl>
-                                          <p:spTgt spid="2"/>
-                                        </p:tgtEl>
-                                        <p:attrNameLst>
-                                          <p:attrName>ppt_x</p:attrName>
-                                        </p:attrNameLst>
-                                      </p:cBhvr>
-                                      <p:tavLst>
-                                        <p:tav tm="0">
-                                          <p:val>
-                                            <p:strVal val="#ppt_x"/>
-                                          </p:val>
-                                        </p:tav>
-                                        <p:tav tm="100000">
-                                          <p:val>
-                                            <p:strVal val="#ppt_x"/>
-                                          </p:val>
-                                        </p:tav>
-                                      </p:tavLst>
-                                    </p:anim>
-                                    <p:anim calcmode="lin" valueType="num">
-                                      <p:cBhvr>
-                                        <p:cTn id="9" dur="1000" fill="hold"/>
-                                        <p:tgtEl>
-                                          <p:spTgt spid="2"/>
-                                        </p:tgtEl>
-                                        <p:attrNameLst>
-                                          <p:attrName>ppt_y</p:attrName>
-                                        </p:attrNameLst>
-                                      </p:cBhvr>
-                                      <p:tavLst>
-                                        <p:tav tm="0">
-                                          <p:val>
-                                            <p:strVal val="#ppt_y+.1"/>
-                                          </p:val>
-                                        </p:tav>
-                                        <p:tav tm="100000">
-                                          <p:val>
-                                            <p:strVal val="#ppt_y"/>
-                                          </p:val>
-                                        </p:tav>
-                                      </p:tavLst>
-                                    </p:anim>
-                                  </p:childTnLst>
-                                </p:cTn>
-                              </p:par>
-                            </p:childTnLst>
-                          </p:cTn>
-                        </p:par>
-                      </p:childTnLst>
-                    </p:cTn>
-                  </p:par>
-                  <p:par>
-                    <p:cTn id="10" fill="hold">
-                      <p:stCondLst>
-                        <p:cond delay="indefinite"/>
-                      </p:stCondLst>
-                      <p:childTnLst>
-                        <p:par>
-                          <p:cTn id="11" fill="hold">
-                            <p:stCondLst>
-                              <p:cond delay="0"/>
-                            </p:stCondLst>
-                            <p:childTnLst>
-                              <p:par>
-                                <p:cTn id="12" presetID="1" presetClass="entr" presetSubtype="0" fill="hold" nodeType="clickEffect">
-                                  <p:stCondLst>
-                                    <p:cond delay="0"/>
-                                  </p:stCondLst>
-                                  <p:childTnLst>
-                                    <p:set>
-                                      <p:cBhvr>
-                                        <p:cTn id="13" dur="1" fill="hold">
-                                          <p:stCondLst>
-                                            <p:cond delay="0"/>
-                                          </p:stCondLst>
-                                        </p:cTn>
-                                        <p:tgtEl>
-                                          <p:spTgt spid="5"/>
-                                        </p:tgtEl>
-                                        <p:attrNameLst>
-                                          <p:attrName>style.visibility</p:attrName>
-                                        </p:attrNameLst>
-                                      </p:cBhvr>
-                                      <p:to>
-                                        <p:strVal val="visible"/>
-                                      </p:to>
-                                    </p:set>
-                                  </p:childTnLst>
-                                </p:cTn>
-                              </p:par>
-                            </p:childTnLst>
-                          </p:cTn>
-                        </p:par>
-                      </p:childTnLst>
-                    </p:cTn>
-                  </p:par>
-                </p:childTnLst>
-              </p:cTn>
-              <p:prevCondLst>
-                <p:cond evt="onPrev" delay="0">
-                  <p:tgtEl>
-                    <p:sldTgt/>
-                  </p:tgtEl>
-                </p:cond>
-              </p:prevCondLst>
-              <p:nextCondLst>
-                <p:cond evt="onNext" delay="0">
-                  <p:tgtEl>
-                    <p:sldTgt/>
-                  </p:tgtEl>
-                </p:cond>
-              </p:nextCondLst>
-            </p:seq>
-          </p:childTnLst>
-        </p:cTn>
+        <p:cTn xmlns:p14="http://schemas.microsoft.com/office/powerpoint/2010/main" id="1" dur="indefinite" restart="never" nodeType="tmRoot"/>
       </p:par>
     </p:tnLst>
-    <p:bldLst>
-      <p:bldP spid="2" grpId="0"/>
-    </p:bldLst>
   </p:timing>
 </p:sld>
 </file>
@@ -7838,75 +7420,7 @@
   <p:timing>
     <p:tnLst>
       <p:par>
-        <p:cTn xmlns:p14="http://schemas.microsoft.com/office/powerpoint/2010/main" id="1" dur="indefinite" restart="never" nodeType="tmRoot">
-          <p:childTnLst>
-            <p:seq concurrent="1" nextAc="seek">
-              <p:cTn id="2" dur="indefinite" nodeType="mainSeq">
-                <p:childTnLst>
-                  <p:par>
-                    <p:cTn id="3" fill="hold">
-                      <p:stCondLst>
-                        <p:cond delay="indefinite"/>
-                      </p:stCondLst>
-                      <p:childTnLst>
-                        <p:par>
-                          <p:cTn id="4" fill="hold">
-                            <p:stCondLst>
-                              <p:cond delay="0"/>
-                            </p:stCondLst>
-                            <p:childTnLst>
-                              <p:par>
-                                <p:cTn id="5" presetID="1" presetClass="entr" presetSubtype="0" fill="hold" nodeType="clickEffect">
-                                  <p:stCondLst>
-                                    <p:cond delay="0"/>
-                                  </p:stCondLst>
-                                  <p:childTnLst>
-                                    <p:set>
-                                      <p:cBhvr>
-                                        <p:cTn id="6" dur="1" fill="hold">
-                                          <p:stCondLst>
-                                            <p:cond delay="0"/>
-                                          </p:stCondLst>
-                                        </p:cTn>
-                                        <p:tgtEl>
-                                          <p:spTgt spid="5"/>
-                                        </p:tgtEl>
-                                        <p:attrNameLst>
-                                          <p:attrName>style.visibility</p:attrName>
-                                        </p:attrNameLst>
-                                      </p:cBhvr>
-                                      <p:to>
-                                        <p:strVal val="visible"/>
-                                      </p:to>
-                                    </p:set>
-                                  </p:childTnLst>
-                                </p:cTn>
-                              </p:par>
-                            </p:childTnLst>
-                          </p:cTn>
-                        </p:par>
-                      </p:childTnLst>
-                    </p:cTn>
-                  </p:par>
-                </p:childTnLst>
-              </p:cTn>
-              <p:prevCondLst>
-                <p:cond evt="onPrev" delay="0">
-                  <p:tgtEl>
-                    <p:sldTgt/>
-                  </p:tgtEl>
-                </p:cond>
-              </p:prevCondLst>
-              <p:nextCondLst>
-                <p:cond evt="onNext" delay="0">
-                  <p:tgtEl>
-                    <p:sldTgt/>
-                  </p:tgtEl>
-                </p:cond>
-              </p:nextCondLst>
-            </p:seq>
-          </p:childTnLst>
-        </p:cTn>
+        <p:cTn xmlns:p14="http://schemas.microsoft.com/office/powerpoint/2010/main" id="1" dur="indefinite" restart="never" nodeType="tmRoot"/>
       </p:par>
     </p:tnLst>
   </p:timing>
@@ -8118,75 +7632,7 @@
   <p:timing>
     <p:tnLst>
       <p:par>
-        <p:cTn xmlns:p14="http://schemas.microsoft.com/office/powerpoint/2010/main" id="1" dur="indefinite" restart="never" nodeType="tmRoot">
-          <p:childTnLst>
-            <p:seq concurrent="1" nextAc="seek">
-              <p:cTn id="2" dur="indefinite" nodeType="mainSeq">
-                <p:childTnLst>
-                  <p:par>
-                    <p:cTn id="3" fill="hold">
-                      <p:stCondLst>
-                        <p:cond delay="indefinite"/>
-                      </p:stCondLst>
-                      <p:childTnLst>
-                        <p:par>
-                          <p:cTn id="4" fill="hold">
-                            <p:stCondLst>
-                              <p:cond delay="0"/>
-                            </p:stCondLst>
-                            <p:childTnLst>
-                              <p:par>
-                                <p:cTn id="5" presetID="1" presetClass="entr" presetSubtype="0" fill="hold" nodeType="clickEffect">
-                                  <p:stCondLst>
-                                    <p:cond delay="0"/>
-                                  </p:stCondLst>
-                                  <p:childTnLst>
-                                    <p:set>
-                                      <p:cBhvr>
-                                        <p:cTn id="6" dur="1" fill="hold">
-                                          <p:stCondLst>
-                                            <p:cond delay="0"/>
-                                          </p:stCondLst>
-                                        </p:cTn>
-                                        <p:tgtEl>
-                                          <p:spTgt spid="6"/>
-                                        </p:tgtEl>
-                                        <p:attrNameLst>
-                                          <p:attrName>style.visibility</p:attrName>
-                                        </p:attrNameLst>
-                                      </p:cBhvr>
-                                      <p:to>
-                                        <p:strVal val="visible"/>
-                                      </p:to>
-                                    </p:set>
-                                  </p:childTnLst>
-                                </p:cTn>
-                              </p:par>
-                            </p:childTnLst>
-                          </p:cTn>
-                        </p:par>
-                      </p:childTnLst>
-                    </p:cTn>
-                  </p:par>
-                </p:childTnLst>
-              </p:cTn>
-              <p:prevCondLst>
-                <p:cond evt="onPrev" delay="0">
-                  <p:tgtEl>
-                    <p:sldTgt/>
-                  </p:tgtEl>
-                </p:cond>
-              </p:prevCondLst>
-              <p:nextCondLst>
-                <p:cond evt="onNext" delay="0">
-                  <p:tgtEl>
-                    <p:sldTgt/>
-                  </p:tgtEl>
-                </p:cond>
-              </p:nextCondLst>
-            </p:seq>
-          </p:childTnLst>
-        </p:cTn>
+        <p:cTn xmlns:p14="http://schemas.microsoft.com/office/powerpoint/2010/main" id="1" dur="indefinite" restart="never" nodeType="tmRoot"/>
       </p:par>
     </p:tnLst>
   </p:timing>
@@ -8372,75 +7818,7 @@
   <p:timing>
     <p:tnLst>
       <p:par>
-        <p:cTn xmlns:p14="http://schemas.microsoft.com/office/powerpoint/2010/main" id="1" dur="indefinite" restart="never" nodeType="tmRoot">
-          <p:childTnLst>
-            <p:seq concurrent="1" nextAc="seek">
-              <p:cTn id="2" dur="indefinite" nodeType="mainSeq">
-                <p:childTnLst>
-                  <p:par>
-                    <p:cTn id="3" fill="hold">
-                      <p:stCondLst>
-                        <p:cond delay="indefinite"/>
-                      </p:stCondLst>
-                      <p:childTnLst>
-                        <p:par>
-                          <p:cTn id="4" fill="hold">
-                            <p:stCondLst>
-                              <p:cond delay="0"/>
-                            </p:stCondLst>
-                            <p:childTnLst>
-                              <p:par>
-                                <p:cTn id="5" presetID="1" presetClass="entr" presetSubtype="0" fill="hold" nodeType="clickEffect">
-                                  <p:stCondLst>
-                                    <p:cond delay="0"/>
-                                  </p:stCondLst>
-                                  <p:childTnLst>
-                                    <p:set>
-                                      <p:cBhvr>
-                                        <p:cTn id="6" dur="1" fill="hold">
-                                          <p:stCondLst>
-                                            <p:cond delay="0"/>
-                                          </p:stCondLst>
-                                        </p:cTn>
-                                        <p:tgtEl>
-                                          <p:spTgt spid="6"/>
-                                        </p:tgtEl>
-                                        <p:attrNameLst>
-                                          <p:attrName>style.visibility</p:attrName>
-                                        </p:attrNameLst>
-                                      </p:cBhvr>
-                                      <p:to>
-                                        <p:strVal val="visible"/>
-                                      </p:to>
-                                    </p:set>
-                                  </p:childTnLst>
-                                </p:cTn>
-                              </p:par>
-                            </p:childTnLst>
-                          </p:cTn>
-                        </p:par>
-                      </p:childTnLst>
-                    </p:cTn>
-                  </p:par>
-                </p:childTnLst>
-              </p:cTn>
-              <p:prevCondLst>
-                <p:cond evt="onPrev" delay="0">
-                  <p:tgtEl>
-                    <p:sldTgt/>
-                  </p:tgtEl>
-                </p:cond>
-              </p:prevCondLst>
-              <p:nextCondLst>
-                <p:cond evt="onNext" delay="0">
-                  <p:tgtEl>
-                    <p:sldTgt/>
-                  </p:tgtEl>
-                </p:cond>
-              </p:nextCondLst>
-            </p:seq>
-          </p:childTnLst>
-        </p:cTn>
+        <p:cTn xmlns:p14="http://schemas.microsoft.com/office/powerpoint/2010/main" id="1" dur="indefinite" restart="never" nodeType="tmRoot"/>
       </p:par>
     </p:tnLst>
   </p:timing>
@@ -8595,75 +7973,7 @@
   <p:timing>
     <p:tnLst>
       <p:par>
-        <p:cTn xmlns:p14="http://schemas.microsoft.com/office/powerpoint/2010/main" id="1" dur="indefinite" restart="never" nodeType="tmRoot">
-          <p:childTnLst>
-            <p:seq concurrent="1" nextAc="seek">
-              <p:cTn id="2" dur="indefinite" nodeType="mainSeq">
-                <p:childTnLst>
-                  <p:par>
-                    <p:cTn id="3" fill="hold">
-                      <p:stCondLst>
-                        <p:cond delay="indefinite"/>
-                      </p:stCondLst>
-                      <p:childTnLst>
-                        <p:par>
-                          <p:cTn id="4" fill="hold">
-                            <p:stCondLst>
-                              <p:cond delay="0"/>
-                            </p:stCondLst>
-                            <p:childTnLst>
-                              <p:par>
-                                <p:cTn id="5" presetID="1" presetClass="entr" presetSubtype="0" fill="hold" nodeType="clickEffect">
-                                  <p:stCondLst>
-                                    <p:cond delay="0"/>
-                                  </p:stCondLst>
-                                  <p:childTnLst>
-                                    <p:set>
-                                      <p:cBhvr>
-                                        <p:cTn id="6" dur="1" fill="hold">
-                                          <p:stCondLst>
-                                            <p:cond delay="0"/>
-                                          </p:stCondLst>
-                                        </p:cTn>
-                                        <p:tgtEl>
-                                          <p:spTgt spid="8"/>
-                                        </p:tgtEl>
-                                        <p:attrNameLst>
-                                          <p:attrName>style.visibility</p:attrName>
-                                        </p:attrNameLst>
-                                      </p:cBhvr>
-                                      <p:to>
-                                        <p:strVal val="visible"/>
-                                      </p:to>
-                                    </p:set>
-                                  </p:childTnLst>
-                                </p:cTn>
-                              </p:par>
-                            </p:childTnLst>
-                          </p:cTn>
-                        </p:par>
-                      </p:childTnLst>
-                    </p:cTn>
-                  </p:par>
-                </p:childTnLst>
-              </p:cTn>
-              <p:prevCondLst>
-                <p:cond evt="onPrev" delay="0">
-                  <p:tgtEl>
-                    <p:sldTgt/>
-                  </p:tgtEl>
-                </p:cond>
-              </p:prevCondLst>
-              <p:nextCondLst>
-                <p:cond evt="onNext" delay="0">
-                  <p:tgtEl>
-                    <p:sldTgt/>
-                  </p:tgtEl>
-                </p:cond>
-              </p:nextCondLst>
-            </p:seq>
-          </p:childTnLst>
-        </p:cTn>
+        <p:cTn xmlns:p14="http://schemas.microsoft.com/office/powerpoint/2010/main" id="1" dur="indefinite" restart="never" nodeType="tmRoot"/>
       </p:par>
     </p:tnLst>
   </p:timing>
@@ -8814,75 +8124,7 @@
   <p:timing>
     <p:tnLst>
       <p:par>
-        <p:cTn xmlns:p14="http://schemas.microsoft.com/office/powerpoint/2010/main" id="1" dur="indefinite" restart="never" nodeType="tmRoot">
-          <p:childTnLst>
-            <p:seq concurrent="1" nextAc="seek">
-              <p:cTn id="2" dur="indefinite" nodeType="mainSeq">
-                <p:childTnLst>
-                  <p:par>
-                    <p:cTn id="3" fill="hold">
-                      <p:stCondLst>
-                        <p:cond delay="indefinite"/>
-                      </p:stCondLst>
-                      <p:childTnLst>
-                        <p:par>
-                          <p:cTn id="4" fill="hold">
-                            <p:stCondLst>
-                              <p:cond delay="0"/>
-                            </p:stCondLst>
-                            <p:childTnLst>
-                              <p:par>
-                                <p:cTn id="5" presetID="1" presetClass="entr" presetSubtype="0" fill="hold" nodeType="clickEffect">
-                                  <p:stCondLst>
-                                    <p:cond delay="0"/>
-                                  </p:stCondLst>
-                                  <p:childTnLst>
-                                    <p:set>
-                                      <p:cBhvr>
-                                        <p:cTn id="6" dur="1" fill="hold">
-                                          <p:stCondLst>
-                                            <p:cond delay="0"/>
-                                          </p:stCondLst>
-                                        </p:cTn>
-                                        <p:tgtEl>
-                                          <p:spTgt spid="9"/>
-                                        </p:tgtEl>
-                                        <p:attrNameLst>
-                                          <p:attrName>style.visibility</p:attrName>
-                                        </p:attrNameLst>
-                                      </p:cBhvr>
-                                      <p:to>
-                                        <p:strVal val="visible"/>
-                                      </p:to>
-                                    </p:set>
-                                  </p:childTnLst>
-                                </p:cTn>
-                              </p:par>
-                            </p:childTnLst>
-                          </p:cTn>
-                        </p:par>
-                      </p:childTnLst>
-                    </p:cTn>
-                  </p:par>
-                </p:childTnLst>
-              </p:cTn>
-              <p:prevCondLst>
-                <p:cond evt="onPrev" delay="0">
-                  <p:tgtEl>
-                    <p:sldTgt/>
-                  </p:tgtEl>
-                </p:cond>
-              </p:prevCondLst>
-              <p:nextCondLst>
-                <p:cond evt="onNext" delay="0">
-                  <p:tgtEl>
-                    <p:sldTgt/>
-                  </p:tgtEl>
-                </p:cond>
-              </p:nextCondLst>
-            </p:seq>
-          </p:childTnLst>
-        </p:cTn>
+        <p:cTn xmlns:p14="http://schemas.microsoft.com/office/powerpoint/2010/main" id="1" dur="indefinite" restart="never" nodeType="tmRoot"/>
       </p:par>
     </p:tnLst>
   </p:timing>
@@ -9090,75 +8332,7 @@
   <p:timing>
     <p:tnLst>
       <p:par>
-        <p:cTn xmlns:p14="http://schemas.microsoft.com/office/powerpoint/2010/main" id="1" dur="indefinite" restart="never" nodeType="tmRoot">
-          <p:childTnLst>
-            <p:seq concurrent="1" nextAc="seek">
-              <p:cTn id="2" dur="indefinite" nodeType="mainSeq">
-                <p:childTnLst>
-                  <p:par>
-                    <p:cTn id="3" fill="hold">
-                      <p:stCondLst>
-                        <p:cond delay="indefinite"/>
-                      </p:stCondLst>
-                      <p:childTnLst>
-                        <p:par>
-                          <p:cTn id="4" fill="hold">
-                            <p:stCondLst>
-                              <p:cond delay="0"/>
-                            </p:stCondLst>
-                            <p:childTnLst>
-                              <p:par>
-                                <p:cTn id="5" presetID="1" presetClass="entr" presetSubtype="0" fill="hold" nodeType="clickEffect">
-                                  <p:stCondLst>
-                                    <p:cond delay="0"/>
-                                  </p:stCondLst>
-                                  <p:childTnLst>
-                                    <p:set>
-                                      <p:cBhvr>
-                                        <p:cTn id="6" dur="1" fill="hold">
-                                          <p:stCondLst>
-                                            <p:cond delay="0"/>
-                                          </p:stCondLst>
-                                        </p:cTn>
-                                        <p:tgtEl>
-                                          <p:spTgt spid="5"/>
-                                        </p:tgtEl>
-                                        <p:attrNameLst>
-                                          <p:attrName>style.visibility</p:attrName>
-                                        </p:attrNameLst>
-                                      </p:cBhvr>
-                                      <p:to>
-                                        <p:strVal val="visible"/>
-                                      </p:to>
-                                    </p:set>
-                                  </p:childTnLst>
-                                </p:cTn>
-                              </p:par>
-                            </p:childTnLst>
-                          </p:cTn>
-                        </p:par>
-                      </p:childTnLst>
-                    </p:cTn>
-                  </p:par>
-                </p:childTnLst>
-              </p:cTn>
-              <p:prevCondLst>
-                <p:cond evt="onPrev" delay="0">
-                  <p:tgtEl>
-                    <p:sldTgt/>
-                  </p:tgtEl>
-                </p:cond>
-              </p:prevCondLst>
-              <p:nextCondLst>
-                <p:cond evt="onNext" delay="0">
-                  <p:tgtEl>
-                    <p:sldTgt/>
-                  </p:tgtEl>
-                </p:cond>
-              </p:nextCondLst>
-            </p:seq>
-          </p:childTnLst>
-        </p:cTn>
+        <p:cTn xmlns:p14="http://schemas.microsoft.com/office/powerpoint/2010/main" id="1" dur="indefinite" restart="never" nodeType="tmRoot"/>
       </p:par>
     </p:tnLst>
   </p:timing>
@@ -9326,75 +8500,7 @@
   <p:timing>
     <p:tnLst>
       <p:par>
-        <p:cTn xmlns:p14="http://schemas.microsoft.com/office/powerpoint/2010/main" id="1" dur="indefinite" restart="never" nodeType="tmRoot">
-          <p:childTnLst>
-            <p:seq concurrent="1" nextAc="seek">
-              <p:cTn id="2" dur="indefinite" nodeType="mainSeq">
-                <p:childTnLst>
-                  <p:par>
-                    <p:cTn id="3" fill="hold">
-                      <p:stCondLst>
-                        <p:cond delay="indefinite"/>
-                      </p:stCondLst>
-                      <p:childTnLst>
-                        <p:par>
-                          <p:cTn id="4" fill="hold">
-                            <p:stCondLst>
-                              <p:cond delay="0"/>
-                            </p:stCondLst>
-                            <p:childTnLst>
-                              <p:par>
-                                <p:cTn id="5" presetID="1" presetClass="entr" presetSubtype="0" fill="hold" nodeType="clickEffect">
-                                  <p:stCondLst>
-                                    <p:cond delay="0"/>
-                                  </p:stCondLst>
-                                  <p:childTnLst>
-                                    <p:set>
-                                      <p:cBhvr>
-                                        <p:cTn id="6" dur="1" fill="hold">
-                                          <p:stCondLst>
-                                            <p:cond delay="0"/>
-                                          </p:stCondLst>
-                                        </p:cTn>
-                                        <p:tgtEl>
-                                          <p:spTgt spid="4"/>
-                                        </p:tgtEl>
-                                        <p:attrNameLst>
-                                          <p:attrName>style.visibility</p:attrName>
-                                        </p:attrNameLst>
-                                      </p:cBhvr>
-                                      <p:to>
-                                        <p:strVal val="visible"/>
-                                      </p:to>
-                                    </p:set>
-                                  </p:childTnLst>
-                                </p:cTn>
-                              </p:par>
-                            </p:childTnLst>
-                          </p:cTn>
-                        </p:par>
-                      </p:childTnLst>
-                    </p:cTn>
-                  </p:par>
-                </p:childTnLst>
-              </p:cTn>
-              <p:prevCondLst>
-                <p:cond evt="onPrev" delay="0">
-                  <p:tgtEl>
-                    <p:sldTgt/>
-                  </p:tgtEl>
-                </p:cond>
-              </p:prevCondLst>
-              <p:nextCondLst>
-                <p:cond evt="onNext" delay="0">
-                  <p:tgtEl>
-                    <p:sldTgt/>
-                  </p:tgtEl>
-                </p:cond>
-              </p:nextCondLst>
-            </p:seq>
-          </p:childTnLst>
-        </p:cTn>
+        <p:cTn xmlns:p14="http://schemas.microsoft.com/office/powerpoint/2010/main" id="1" dur="indefinite" restart="never" nodeType="tmRoot"/>
       </p:par>
     </p:tnLst>
   </p:timing>
@@ -9592,75 +8698,7 @@
   <p:timing>
     <p:tnLst>
       <p:par>
-        <p:cTn xmlns:p14="http://schemas.microsoft.com/office/powerpoint/2010/main" id="1" dur="indefinite" restart="never" nodeType="tmRoot">
-          <p:childTnLst>
-            <p:seq concurrent="1" nextAc="seek">
-              <p:cTn id="2" dur="indefinite" nodeType="mainSeq">
-                <p:childTnLst>
-                  <p:par>
-                    <p:cTn id="3" fill="hold">
-                      <p:stCondLst>
-                        <p:cond delay="indefinite"/>
-                      </p:stCondLst>
-                      <p:childTnLst>
-                        <p:par>
-                          <p:cTn id="4" fill="hold">
-                            <p:stCondLst>
-                              <p:cond delay="0"/>
-                            </p:stCondLst>
-                            <p:childTnLst>
-                              <p:par>
-                                <p:cTn id="5" presetID="1" presetClass="entr" presetSubtype="0" fill="hold" nodeType="clickEffect">
-                                  <p:stCondLst>
-                                    <p:cond delay="0"/>
-                                  </p:stCondLst>
-                                  <p:childTnLst>
-                                    <p:set>
-                                      <p:cBhvr>
-                                        <p:cTn id="6" dur="1" fill="hold">
-                                          <p:stCondLst>
-                                            <p:cond delay="0"/>
-                                          </p:stCondLst>
-                                        </p:cTn>
-                                        <p:tgtEl>
-                                          <p:spTgt spid="4"/>
-                                        </p:tgtEl>
-                                        <p:attrNameLst>
-                                          <p:attrName>style.visibility</p:attrName>
-                                        </p:attrNameLst>
-                                      </p:cBhvr>
-                                      <p:to>
-                                        <p:strVal val="visible"/>
-                                      </p:to>
-                                    </p:set>
-                                  </p:childTnLst>
-                                </p:cTn>
-                              </p:par>
-                            </p:childTnLst>
-                          </p:cTn>
-                        </p:par>
-                      </p:childTnLst>
-                    </p:cTn>
-                  </p:par>
-                </p:childTnLst>
-              </p:cTn>
-              <p:prevCondLst>
-                <p:cond evt="onPrev" delay="0">
-                  <p:tgtEl>
-                    <p:sldTgt/>
-                  </p:tgtEl>
-                </p:cond>
-              </p:prevCondLst>
-              <p:nextCondLst>
-                <p:cond evt="onNext" delay="0">
-                  <p:tgtEl>
-                    <p:sldTgt/>
-                  </p:tgtEl>
-                </p:cond>
-              </p:nextCondLst>
-            </p:seq>
-          </p:childTnLst>
-        </p:cTn>
+        <p:cTn xmlns:p14="http://schemas.microsoft.com/office/powerpoint/2010/main" id="1" dur="indefinite" restart="never" nodeType="tmRoot"/>
       </p:par>
     </p:tnLst>
   </p:timing>
@@ -9858,75 +8896,7 @@
   <p:timing>
     <p:tnLst>
       <p:par>
-        <p:cTn xmlns:p14="http://schemas.microsoft.com/office/powerpoint/2010/main" id="1" dur="indefinite" restart="never" nodeType="tmRoot">
-          <p:childTnLst>
-            <p:seq concurrent="1" nextAc="seek">
-              <p:cTn id="2" dur="indefinite" nodeType="mainSeq">
-                <p:childTnLst>
-                  <p:par>
-                    <p:cTn id="3" fill="hold">
-                      <p:stCondLst>
-                        <p:cond delay="indefinite"/>
-                      </p:stCondLst>
-                      <p:childTnLst>
-                        <p:par>
-                          <p:cTn id="4" fill="hold">
-                            <p:stCondLst>
-                              <p:cond delay="0"/>
-                            </p:stCondLst>
-                            <p:childTnLst>
-                              <p:par>
-                                <p:cTn id="5" presetID="1" presetClass="entr" presetSubtype="0" fill="hold" nodeType="clickEffect">
-                                  <p:stCondLst>
-                                    <p:cond delay="0"/>
-                                  </p:stCondLst>
-                                  <p:childTnLst>
-                                    <p:set>
-                                      <p:cBhvr>
-                                        <p:cTn id="6" dur="1" fill="hold">
-                                          <p:stCondLst>
-                                            <p:cond delay="0"/>
-                                          </p:stCondLst>
-                                        </p:cTn>
-                                        <p:tgtEl>
-                                          <p:spTgt spid="5"/>
-                                        </p:tgtEl>
-                                        <p:attrNameLst>
-                                          <p:attrName>style.visibility</p:attrName>
-                                        </p:attrNameLst>
-                                      </p:cBhvr>
-                                      <p:to>
-                                        <p:strVal val="visible"/>
-                                      </p:to>
-                                    </p:set>
-                                  </p:childTnLst>
-                                </p:cTn>
-                              </p:par>
-                            </p:childTnLst>
-                          </p:cTn>
-                        </p:par>
-                      </p:childTnLst>
-                    </p:cTn>
-                  </p:par>
-                </p:childTnLst>
-              </p:cTn>
-              <p:prevCondLst>
-                <p:cond evt="onPrev" delay="0">
-                  <p:tgtEl>
-                    <p:sldTgt/>
-                  </p:tgtEl>
-                </p:cond>
-              </p:prevCondLst>
-              <p:nextCondLst>
-                <p:cond evt="onNext" delay="0">
-                  <p:tgtEl>
-                    <p:sldTgt/>
-                  </p:tgtEl>
-                </p:cond>
-              </p:nextCondLst>
-            </p:seq>
-          </p:childTnLst>
-        </p:cTn>
+        <p:cTn xmlns:p14="http://schemas.microsoft.com/office/powerpoint/2010/main" id="1" dur="indefinite" restart="never" nodeType="tmRoot"/>
       </p:par>
     </p:tnLst>
   </p:timing>

--- a/Documents/Iteration 2/EDUkid-Iteration2.pptx
+++ b/Documents/Iteration 2/EDUkid-Iteration2.pptx
@@ -120,7 +120,7 @@
   </p:defaultTextStyle>
   <p:extLst>
     <p:ext uri="{EFAFB233-063F-42B5-8137-9DF3F51BA10A}">
-      <p15:sldGuideLst xmlns:p15="http://schemas.microsoft.com/office/powerpoint/2012/main" xmlns="">
+      <p15:sldGuideLst xmlns="" xmlns:p15="http://schemas.microsoft.com/office/powerpoint/2012/main">
         <p15:guide id="1" orient="horz" pos="2160">
           <p15:clr>
             <a:srgbClr val="A4A3A4"/>
@@ -6339,7 +6339,6 @@
               <a:rPr lang="en-US" dirty="0" smtClean="0"/>
               <a:t>Iteration 2</a:t>
             </a:r>
-            <a:endParaRPr lang="en-US" dirty="0" smtClean="0"/>
           </a:p>
         </p:txBody>
       </p:sp>
@@ -7539,7 +7538,6 @@
               <a:rPr lang="en-US" dirty="0" smtClean="0"/>
               <a:t>Shots</a:t>
             </a:r>
-            <a:endParaRPr lang="en-US" dirty="0" smtClean="0"/>
           </a:p>
           <a:p>
             <a:r>
@@ -7712,16 +7710,31 @@
           <a:p>
             <a:r>
               <a:rPr lang="en-US" dirty="0" smtClean="0"/>
-              <a:t>Each category will allow for the parent to upload custom pictures and for letters, customer word associations</a:t>
-            </a:r>
-          </a:p>
-          <a:p>
+              <a:t>Each category will allow </a:t>
+            </a:r>
             <a:r>
               <a:rPr lang="en-US" dirty="0" smtClean="0"/>
-              <a:t>Allows for custom learning module creation</a:t>
-            </a:r>
-          </a:p>
-          <a:p>
+              <a:t>the </a:t>
+            </a:r>
+            <a:r>
+              <a:rPr lang="en-US" dirty="0" smtClean="0"/>
+              <a:t>parent to upload custom pictures </a:t>
+            </a:r>
+            <a:r>
+              <a:rPr lang="en-US" dirty="0" smtClean="0"/>
+              <a:t>for letters, words, shapes, etc. to personalize the learning</a:t>
+            </a:r>
+            <a:endParaRPr lang="en-US" dirty="0" smtClean="0"/>
+          </a:p>
+          <a:p>
+            <a:r>
+              <a:rPr lang="en-US" dirty="0" smtClean="0"/>
+              <a:t>Allows for custom learning module </a:t>
+            </a:r>
+            <a:r>
+              <a:rPr lang="en-US" dirty="0" smtClean="0"/>
+              <a:t>creation</a:t>
+            </a:r>
             <a:endParaRPr lang="en-US" dirty="0" smtClean="0"/>
           </a:p>
         </p:txBody>
@@ -9154,7 +9167,7 @@
   <a:extraClrSchemeLst/>
   <a:extLst>
     <a:ext uri="{05A4C25C-085E-4340-85A3-A5531E510DB2}">
-      <thm15:themeFamily xmlns:thm15="http://schemas.microsoft.com/office/thememl/2012/main" xmlns="" name="Facet" id="{C0C680CD-088A-49FC-A102-D699147F32B2}" vid="{CFBC31BA-B70F-4F30-BCAA-4F3011E16C4D}"/>
+      <thm15:themeFamily xmlns="" xmlns:thm15="http://schemas.microsoft.com/office/thememl/2012/main" name="Facet" id="{C0C680CD-088A-49FC-A102-D699147F32B2}" vid="{CFBC31BA-B70F-4F30-BCAA-4F3011E16C4D}"/>
     </a:ext>
   </a:extLst>
 </a:theme>
